--- a/その他の資料/78期ソフトウェアコムにティ活動提案_矢嶋.pptx
+++ b/その他の資料/78期ソフトウェアコムにティ活動提案_矢嶋.pptx
@@ -253,7 +253,7 @@
           <a:p>
             <a:fld id="{E90ED720-0104-4369-84BC-D37694168613}" type="datetimeFigureOut">
               <a:rPr kumimoji="1" lang="ja-JP" altLang="en-US" smtClean="0"/>
-              <a:t>2015/4/15</a:t>
+              <a:t>2015/5/18</a:t>
             </a:fld>
             <a:endParaRPr kumimoji="1" lang="ja-JP" altLang="en-US"/>
           </a:p>
@@ -644,7 +644,7 @@
           <a:p>
             <a:fld id="{E90ED720-0104-4369-84BC-D37694168613}" type="datetimeFigureOut">
               <a:rPr kumimoji="1" lang="ja-JP" altLang="en-US" smtClean="0"/>
-              <a:t>2015/4/15</a:t>
+              <a:t>2015/5/18</a:t>
             </a:fld>
             <a:endParaRPr kumimoji="1" lang="ja-JP" altLang="en-US"/>
           </a:p>
@@ -851,7 +851,7 @@
           <a:p>
             <a:fld id="{E90ED720-0104-4369-84BC-D37694168613}" type="datetimeFigureOut">
               <a:rPr kumimoji="1" lang="ja-JP" altLang="en-US" smtClean="0"/>
-              <a:t>2015/4/15</a:t>
+              <a:t>2015/5/18</a:t>
             </a:fld>
             <a:endParaRPr kumimoji="1" lang="ja-JP" altLang="en-US"/>
           </a:p>
@@ -1086,7 +1086,7 @@
           <a:p>
             <a:fld id="{E90ED720-0104-4369-84BC-D37694168613}" type="datetimeFigureOut">
               <a:rPr kumimoji="1" lang="ja-JP" altLang="en-US" smtClean="0"/>
-              <a:t>2015/4/15</a:t>
+              <a:t>2015/5/18</a:t>
             </a:fld>
             <a:endParaRPr kumimoji="1" lang="ja-JP" altLang="en-US"/>
           </a:p>
@@ -1387,7 +1387,7 @@
           <a:p>
             <a:fld id="{E90ED720-0104-4369-84BC-D37694168613}" type="datetimeFigureOut">
               <a:rPr kumimoji="1" lang="ja-JP" altLang="en-US" smtClean="0"/>
-              <a:t>2015/4/15</a:t>
+              <a:t>2015/5/18</a:t>
             </a:fld>
             <a:endParaRPr kumimoji="1" lang="ja-JP" altLang="en-US"/>
           </a:p>
@@ -1607,7 +1607,7 @@
           <a:p>
             <a:fld id="{E90ED720-0104-4369-84BC-D37694168613}" type="datetimeFigureOut">
               <a:rPr kumimoji="1" lang="ja-JP" altLang="en-US" smtClean="0"/>
-              <a:t>2015/4/15</a:t>
+              <a:t>2015/5/18</a:t>
             </a:fld>
             <a:endParaRPr kumimoji="1" lang="ja-JP" altLang="en-US"/>
           </a:p>
@@ -2023,7 +2023,7 @@
           <a:p>
             <a:fld id="{E90ED720-0104-4369-84BC-D37694168613}" type="datetimeFigureOut">
               <a:rPr kumimoji="1" lang="ja-JP" altLang="en-US" smtClean="0"/>
-              <a:t>2015/4/15</a:t>
+              <a:t>2015/5/18</a:t>
             </a:fld>
             <a:endParaRPr kumimoji="1" lang="ja-JP" altLang="en-US"/>
           </a:p>
@@ -2319,7 +2319,7 @@
           <a:p>
             <a:fld id="{E90ED720-0104-4369-84BC-D37694168613}" type="datetimeFigureOut">
               <a:rPr kumimoji="1" lang="ja-JP" altLang="en-US" smtClean="0"/>
-              <a:t>2015/4/15</a:t>
+              <a:t>2015/5/18</a:t>
             </a:fld>
             <a:endParaRPr kumimoji="1" lang="ja-JP" altLang="en-US"/>
           </a:p>
@@ -2459,7 +2459,7 @@
           <a:p>
             <a:fld id="{E90ED720-0104-4369-84BC-D37694168613}" type="datetimeFigureOut">
               <a:rPr kumimoji="1" lang="ja-JP" altLang="en-US" smtClean="0"/>
-              <a:t>2015/4/15</a:t>
+              <a:t>2015/5/18</a:t>
             </a:fld>
             <a:endParaRPr kumimoji="1" lang="ja-JP" altLang="en-US"/>
           </a:p>
@@ -2736,7 +2736,7 @@
           <a:p>
             <a:fld id="{E90ED720-0104-4369-84BC-D37694168613}" type="datetimeFigureOut">
               <a:rPr kumimoji="1" lang="ja-JP" altLang="en-US" smtClean="0"/>
-              <a:t>2015/4/15</a:t>
+              <a:t>2015/5/18</a:t>
             </a:fld>
             <a:endParaRPr kumimoji="1" lang="ja-JP" altLang="en-US"/>
           </a:p>
@@ -3175,7 +3175,7 @@
           <a:p>
             <a:fld id="{E90ED720-0104-4369-84BC-D37694168613}" type="datetimeFigureOut">
               <a:rPr kumimoji="1" lang="ja-JP" altLang="en-US" smtClean="0"/>
-              <a:t>2015/4/15</a:t>
+              <a:t>2015/5/18</a:t>
             </a:fld>
             <a:endParaRPr kumimoji="1" lang="ja-JP" altLang="en-US"/>
           </a:p>
@@ -3545,7 +3545,7 @@
           <a:p>
             <a:fld id="{E90ED720-0104-4369-84BC-D37694168613}" type="datetimeFigureOut">
               <a:rPr kumimoji="1" lang="ja-JP" altLang="en-US" smtClean="0"/>
-              <a:t>2015/4/15</a:t>
+              <a:t>2015/5/18</a:t>
             </a:fld>
             <a:endParaRPr kumimoji="1" lang="ja-JP" altLang="en-US"/>
           </a:p>
@@ -4219,8 +4219,16 @@
           <a:p>
             <a:pPr lvl="1"/>
             <a:r>
+              <a:rPr lang="ja-JP" altLang="en-US" dirty="0"/>
+              <a:t>協同</a:t>
+            </a:r>
+            <a:r>
               <a:rPr lang="ja-JP" altLang="en-US" dirty="0" smtClean="0"/>
-              <a:t>共同での物づくり</a:t>
+              <a:t>での</a:t>
+            </a:r>
+            <a:r>
+              <a:rPr lang="ja-JP" altLang="en-US" dirty="0" smtClean="0"/>
+              <a:t>物づくり</a:t>
             </a:r>
             <a:endParaRPr lang="en-US" altLang="ja-JP" dirty="0" smtClean="0"/>
           </a:p>
@@ -4243,7 +4251,7 @@
             <a:pPr lvl="1"/>
             <a:r>
               <a:rPr lang="ja-JP" altLang="en-US" dirty="0" smtClean="0"/>
-              <a:t>ビブリオ</a:t>
+              <a:t>ビブリオバトル</a:t>
             </a:r>
             <a:endParaRPr lang="en-US" altLang="ja-JP" dirty="0" smtClean="0"/>
           </a:p>
@@ -4387,11 +4395,14 @@
             <a:pPr lvl="1"/>
             <a:r>
               <a:rPr lang="ja-JP" altLang="en-US" dirty="0" smtClean="0"/>
-              <a:t>飲み会・・・確定？</a:t>
-            </a:r>
-            <a:endParaRPr lang="en-US" altLang="ja-JP" dirty="0"/>
-          </a:p>
-          <a:p>
+              <a:t>（飲み会）</a:t>
+            </a:r>
+            <a:endParaRPr lang="en-US" altLang="ja-JP" dirty="0" smtClean="0"/>
+          </a:p>
+          <a:p>
+            <a:pPr marL="274320" lvl="1" indent="0">
+              <a:buNone/>
+            </a:pPr>
             <a:endParaRPr lang="en-US" altLang="ja-JP" dirty="0"/>
           </a:p>
           <a:p>
@@ -4417,11 +4428,7 @@
             </a:r>
             <a:r>
               <a:rPr lang="ja-JP" altLang="en-US" dirty="0" smtClean="0"/>
-              <a:t>回のコミュニティの活動で結論を出せるもの</a:t>
-            </a:r>
-            <a:r>
-              <a:rPr lang="ja-JP" altLang="en-US" smtClean="0"/>
-              <a:t>を目指す</a:t>
+              <a:t>回のコミュニティの活動で結論を出せるものを目指す</a:t>
             </a:r>
             <a:r>
               <a:rPr lang="en-US" altLang="ja-JP" dirty="0" smtClean="0"/>
@@ -4514,158 +4521,87 @@
           <a:p>
             <a:r>
               <a:rPr lang="ja-JP" altLang="en-US" dirty="0" smtClean="0"/>
-              <a:t>ソフト書籍</a:t>
-            </a:r>
-            <a:r>
-              <a:rPr lang="ja-JP" altLang="en-US" dirty="0"/>
-              <a:t>から</a:t>
-            </a:r>
+              <a:t>それぞれの失敗談、成功談の紹介</a:t>
+            </a:r>
+            <a:endParaRPr lang="en-US" altLang="ja-JP" dirty="0" smtClean="0"/>
+          </a:p>
+          <a:p>
+            <a:pPr lvl="1"/>
             <a:r>
               <a:rPr lang="ja-JP" altLang="en-US" dirty="0" smtClean="0"/>
-              <a:t>、プログラム作成・プレゼン（実装・討論）</a:t>
+              <a:t>実務で使用しているプログラムで、素晴らしい </a:t>
+            </a:r>
+            <a:r>
+              <a:rPr lang="en-US" altLang="ja-JP" dirty="0" smtClean="0"/>
+              <a:t>or </a:t>
+            </a:r>
+            <a:r>
+              <a:rPr lang="ja-JP" altLang="en-US" dirty="0" smtClean="0"/>
+              <a:t>ダメと思っている箇所の紹介を行う</a:t>
             </a:r>
             <a:endParaRPr lang="en-US" altLang="ja-JP" dirty="0" smtClean="0"/>
           </a:p>
           <a:p>
+            <a:endParaRPr lang="en-US" altLang="ja-JP" dirty="0" smtClean="0"/>
+          </a:p>
+          <a:p>
+            <a:r>
+              <a:rPr lang="en-US" altLang="ja-JP" dirty="0" smtClean="0"/>
+              <a:t>topcoder</a:t>
+            </a:r>
+            <a:r>
+              <a:rPr lang="ja-JP" altLang="en-US" dirty="0" smtClean="0"/>
+              <a:t>の過去問を全員で実施する</a:t>
+            </a:r>
+            <a:endParaRPr lang="en-US" altLang="ja-JP" dirty="0" smtClean="0"/>
+          </a:p>
+          <a:p>
             <a:pPr lvl="1"/>
             <a:r>
+              <a:rPr lang="en-US" altLang="ja-JP" dirty="0" smtClean="0"/>
+              <a:t>SRM(Single </a:t>
+            </a:r>
+            <a:r>
+              <a:rPr lang="en-US" altLang="ja-JP" dirty="0"/>
+              <a:t>Round Match)</a:t>
+            </a:r>
+            <a:r>
               <a:rPr lang="ja-JP" altLang="en-US" dirty="0" smtClean="0"/>
-              <a:t>各位の持つソフトウェアの書籍から、課題を策定・各自で実施し作成結果をプレゼン</a:t>
-            </a:r>
+              <a:t>の過去問をそれぞれの得意言語で実施</a:t>
+            </a:r>
+            <a:endParaRPr lang="en-US" altLang="ja-JP" dirty="0" smtClean="0"/>
+          </a:p>
+          <a:p>
+            <a:pPr lvl="1"/>
+            <a:r>
+              <a:rPr lang="ja-JP" altLang="en-US" dirty="0" smtClean="0"/>
+              <a:t>作成したプログラムのプレゼン。解説。</a:t>
+            </a:r>
+            <a:endParaRPr lang="en-US" altLang="ja-JP" dirty="0" smtClean="0"/>
+          </a:p>
+          <a:p>
+            <a:pPr lvl="2"/>
             <a:r>
               <a:rPr lang="en-US" altLang="ja-JP" dirty="0" smtClean="0"/>
-              <a:t>/</a:t>
+              <a:t>1</a:t>
             </a:r>
             <a:r>
               <a:rPr lang="ja-JP" altLang="en-US" dirty="0" smtClean="0"/>
-              <a:t>議論する</a:t>
-            </a:r>
-            <a:endParaRPr lang="en-US" altLang="ja-JP" dirty="0" smtClean="0"/>
-          </a:p>
-          <a:p>
-            <a:pPr lvl="2"/>
+              <a:t>週目で作成、</a:t>
+            </a:r>
             <a:r>
               <a:rPr lang="en-US" altLang="ja-JP" dirty="0" smtClean="0"/>
-              <a:t>【</a:t>
+              <a:t>2</a:t>
             </a:r>
             <a:r>
               <a:rPr lang="ja-JP" altLang="en-US" dirty="0" smtClean="0"/>
-              <a:t>デメリット</a:t>
-            </a:r>
-            <a:r>
-              <a:rPr lang="en-US" altLang="ja-JP" dirty="0" smtClean="0"/>
-              <a:t>】</a:t>
-            </a:r>
-            <a:r>
-              <a:rPr lang="ja-JP" altLang="en-US" dirty="0" smtClean="0"/>
-              <a:t>課題が終わらないと宿題化する？ </a:t>
-            </a:r>
-            <a:r>
-              <a:rPr lang="en-US" altLang="ja-JP" dirty="0" smtClean="0"/>
-              <a:t>/</a:t>
-            </a:r>
-            <a:r>
-              <a:rPr lang="ja-JP" altLang="en-US" dirty="0" smtClean="0"/>
-              <a:t> すでに実施された内容かも？</a:t>
+              <a:t>週目でプレゼンという形になるか？</a:t>
             </a:r>
             <a:endParaRPr lang="en-US" altLang="ja-JP" dirty="0" smtClean="0"/>
           </a:p>
           <a:p>
             <a:pPr lvl="2"/>
             <a:endParaRPr lang="en-US" altLang="ja-JP" dirty="0" smtClean="0"/>
-          </a:p>
-          <a:p>
-            <a:r>
-              <a:rPr lang="ja-JP" altLang="en-US" dirty="0" smtClean="0"/>
-              <a:t>失敗談・成功談（感動談）の紹介（討論・情報共有）</a:t>
-            </a:r>
-            <a:endParaRPr lang="en-US" altLang="ja-JP" dirty="0"/>
-          </a:p>
-          <a:p>
-            <a:pPr lvl="1"/>
-            <a:r>
-              <a:rPr kumimoji="1" lang="ja-JP" altLang="en-US" dirty="0" smtClean="0"/>
-              <a:t>不具合があった時の実際のコードを用いて原因と対策を紹介し、それについて議論・質問を行う</a:t>
-            </a:r>
-            <a:r>
-              <a:rPr kumimoji="1" lang="en-US" altLang="ja-JP" dirty="0" smtClean="0"/>
-              <a:t/>
-            </a:r>
-            <a:br>
-              <a:rPr kumimoji="1" lang="en-US" altLang="ja-JP" dirty="0" smtClean="0"/>
-            </a:br>
-            <a:r>
-              <a:rPr kumimoji="1" lang="ja-JP" altLang="en-US" dirty="0" smtClean="0"/>
-              <a:t>面白い事案であれば、実際にプログラムを修正してみる</a:t>
-            </a:r>
-            <a:r>
-              <a:rPr lang="en-US" altLang="ja-JP" dirty="0" smtClean="0"/>
-              <a:t/>
-            </a:r>
-            <a:br>
-              <a:rPr lang="en-US" altLang="ja-JP" dirty="0" smtClean="0"/>
-            </a:br>
-            <a:r>
-              <a:rPr lang="en-US" altLang="ja-JP" dirty="0" smtClean="0"/>
-              <a:t>※</a:t>
-            </a:r>
-            <a:r>
-              <a:rPr lang="ja-JP" altLang="en-US" dirty="0"/>
-              <a:t>機密</a:t>
-            </a:r>
-            <a:r>
-              <a:rPr lang="ja-JP" altLang="en-US" dirty="0" smtClean="0"/>
-              <a:t>情報で公開できないものはしない</a:t>
-            </a:r>
-            <a:endParaRPr lang="en-US" altLang="ja-JP" dirty="0" smtClean="0"/>
-          </a:p>
-          <a:p>
-            <a:pPr lvl="2"/>
-            <a:r>
-              <a:rPr lang="en-US" altLang="ja-JP" dirty="0" smtClean="0"/>
-              <a:t>【</a:t>
-            </a:r>
-            <a:r>
-              <a:rPr lang="ja-JP" altLang="en-US" dirty="0" smtClean="0"/>
-              <a:t>デメリット</a:t>
-            </a:r>
-            <a:r>
-              <a:rPr lang="en-US" altLang="ja-JP" dirty="0" smtClean="0"/>
-              <a:t>】</a:t>
-            </a:r>
-            <a:r>
-              <a:rPr lang="ja-JP" altLang="en-US" dirty="0" smtClean="0"/>
-              <a:t>課題選定が難しい </a:t>
-            </a:r>
-            <a:r>
-              <a:rPr lang="en-US" altLang="ja-JP" dirty="0" smtClean="0"/>
-              <a:t>/ 2</a:t>
-            </a:r>
-            <a:r>
-              <a:rPr lang="ja-JP" altLang="en-US" dirty="0" smtClean="0"/>
-              <a:t>か月に</a:t>
-            </a:r>
-            <a:r>
-              <a:rPr lang="en-US" altLang="ja-JP" dirty="0" smtClean="0"/>
-              <a:t>1</a:t>
-            </a:r>
-            <a:r>
-              <a:rPr lang="ja-JP" altLang="en-US" dirty="0" smtClean="0"/>
-              <a:t>回程度回ってくる </a:t>
-            </a:r>
-            <a:r>
-              <a:rPr lang="en-US" altLang="ja-JP" dirty="0" smtClean="0"/>
-              <a:t>/ </a:t>
-            </a:r>
-            <a:r>
-              <a:rPr lang="ja-JP" altLang="en-US" dirty="0" smtClean="0"/>
-              <a:t>モノづくり感がない</a:t>
-            </a:r>
-            <a:endParaRPr lang="en-US" altLang="ja-JP" dirty="0" smtClean="0"/>
-          </a:p>
-          <a:p>
-            <a:pPr lvl="1"/>
-            <a:endParaRPr lang="en-US" altLang="ja-JP" dirty="0"/>
           </a:p>
         </p:txBody>
       </p:sp>
